--- a/slides/Online/05 - UML.pptx
+++ b/slides/Online/05 - UML.pptx
@@ -5807,12 +5807,7 @@
             <p:ph type="body" sz="quarter" idx="11"/>
           </p:nvPr>
         </p:nvSpPr>
-        <p:spPr>
-          <a:xfrm>
-            <a:off x="628075" y="2695562"/>
-            <a:ext cx="12561453" cy="2031325"/>
-          </a:xfrm>
-        </p:spPr>
+        <p:spPr/>
         <p:txBody>
           <a:bodyPr/>
           <a:lstStyle/>
@@ -5832,10 +5827,10 @@
       </p:sp>
       <p:sp>
         <p:nvSpPr>
-          <p:cNvPr id="3" name="Text Placeholder 2">
+          <p:cNvPr id="4" name="Text Placeholder 3">
             <a:extLst>
               <a:ext uri="{FF2B5EF4-FFF2-40B4-BE49-F238E27FC236}">
-                <a16:creationId xmlns:a16="http://schemas.microsoft.com/office/drawing/2014/main" id="{A0A31920-BF86-4C5B-959F-E670643BE87F}"/>
+                <a16:creationId xmlns:a16="http://schemas.microsoft.com/office/drawing/2014/main" id="{6FBA13C2-6978-4DCC-ABBC-D95B39DA63FF}"/>
               </a:ext>
             </a:extLst>
           </p:cNvPr>
@@ -5865,14 +5860,14 @@
   <p:clrMapOvr>
     <a:masterClrMapping/>
   </p:clrMapOvr>
-  <mc:AlternateContent xmlns:mc="http://schemas.openxmlformats.org/markup-compatibility/2006" xmlns:p14="http://schemas.microsoft.com/office/powerpoint/2010/main">
-    <mc:Choice Requires="p14">
-      <p:transition p14:dur="300">
+  <mc:AlternateContent xmlns:mc="http://schemas.openxmlformats.org/markup-compatibility/2006">
+    <mc:Choice xmlns:p14="http://schemas.microsoft.com/office/powerpoint/2010/main" Requires="p14">
+      <p:transition p14:dur="300" advTm="42432">
         <p:fade/>
       </p:transition>
     </mc:Choice>
-    <mc:Fallback xmlns="">
-      <p:transition>
+    <mc:Fallback>
+      <p:transition advTm="42432">
         <p:fade/>
       </p:transition>
     </mc:Fallback>
@@ -6029,14 +6024,14 @@
   <p:clrMapOvr>
     <a:masterClrMapping/>
   </p:clrMapOvr>
-  <mc:AlternateContent xmlns:mc="http://schemas.openxmlformats.org/markup-compatibility/2006" xmlns:p14="http://schemas.microsoft.com/office/powerpoint/2010/main">
-    <mc:Choice Requires="p14">
-      <p:transition p14:dur="300">
+  <mc:AlternateContent xmlns:mc="http://schemas.openxmlformats.org/markup-compatibility/2006">
+    <mc:Choice xmlns:p14="http://schemas.microsoft.com/office/powerpoint/2010/main" Requires="p14">
+      <p:transition p14:dur="300" advTm="80363">
         <p:fade/>
       </p:transition>
     </mc:Choice>
-    <mc:Fallback xmlns="">
-      <p:transition>
+    <mc:Fallback>
+      <p:transition advTm="80363">
         <p:fade/>
       </p:transition>
     </mc:Fallback>
@@ -6154,7 +6149,7 @@
           <p:nvPr/>
         </p:nvPicPr>
         <p:blipFill>
-          <a:blip r:embed="rId2"/>
+          <a:blip r:embed="rId3"/>
           <a:stretch>
             <a:fillRect/>
           </a:stretch>
@@ -6322,7 +6317,7 @@
           <a:p>
             <a:r>
               <a:rPr lang="en-US" dirty="0"/>
-              <a:t>+ means public</a:t>
+              <a:t>+   means public</a:t>
             </a:r>
           </a:p>
           <a:p>
@@ -6531,6 +6526,9 @@
         </p:txBody>
       </p:sp>
     </p:spTree>
+    <p:custDataLst>
+      <p:tags r:id="rId1"/>
+    </p:custDataLst>
     <p:extLst>
       <p:ext uri="{BB962C8B-B14F-4D97-AF65-F5344CB8AC3E}">
         <p14:creationId xmlns:p14="http://schemas.microsoft.com/office/powerpoint/2010/main" val="2863304032"/>
@@ -6540,14 +6538,14 @@
   <p:clrMapOvr>
     <a:masterClrMapping/>
   </p:clrMapOvr>
-  <mc:AlternateContent xmlns:mc="http://schemas.openxmlformats.org/markup-compatibility/2006" xmlns:p14="http://schemas.microsoft.com/office/powerpoint/2010/main">
-    <mc:Choice Requires="p14">
-      <p:transition p14:dur="300">
+  <mc:AlternateContent xmlns:mc="http://schemas.openxmlformats.org/markup-compatibility/2006">
+    <mc:Choice xmlns:p14="http://schemas.microsoft.com/office/powerpoint/2010/main" Requires="p14">
+      <p:transition p14:dur="300" advTm="202998">
         <p:fade/>
       </p:transition>
     </mc:Choice>
-    <mc:Fallback xmlns="">
-      <p:transition>
+    <mc:Fallback>
+      <p:transition advTm="202998">
         <p:fade/>
       </p:transition>
     </mc:Fallback>
@@ -6981,16 +6979,13 @@
           <a:p>
             <a:r>
               <a:rPr lang="en-US" dirty="0"/>
-              <a:t>Will have some ‘drawing out the </a:t>
+              <a:t>Will have some drawing out the </a:t>
             </a:r>
             <a:r>
               <a:rPr lang="en-US" dirty="0" err="1"/>
               <a:t>uml</a:t>
             </a:r>
-            <a:r>
-              <a:rPr lang="en-US" dirty="0"/>
-              <a:t>’</a:t>
-            </a:r>
+            <a:endParaRPr lang="en-US" dirty="0"/>
           </a:p>
           <a:p>
             <a:pPr lvl="1"/>
@@ -7020,19 +7015,25 @@
   <p:clrMapOvr>
     <a:masterClrMapping/>
   </p:clrMapOvr>
-  <mc:AlternateContent xmlns:mc="http://schemas.openxmlformats.org/markup-compatibility/2006" xmlns:p14="http://schemas.microsoft.com/office/powerpoint/2010/main">
-    <mc:Choice Requires="p14">
-      <p:transition p14:dur="300">
+  <mc:AlternateContent xmlns:mc="http://schemas.openxmlformats.org/markup-compatibility/2006">
+    <mc:Choice xmlns:p14="http://schemas.microsoft.com/office/powerpoint/2010/main" Requires="p14">
+      <p:transition p14:dur="300" advTm="72115">
         <p:fade/>
       </p:transition>
     </mc:Choice>
-    <mc:Fallback xmlns="">
-      <p:transition>
+    <mc:Fallback>
+      <p:transition advTm="72115">
         <p:fade/>
       </p:transition>
     </mc:Fallback>
   </mc:AlternateContent>
 </p:sld>
+</file>
+
+<file path=ppt/tags/tag1.xml><?xml version="1.0" encoding="utf-8"?>
+<p:tagLst xmlns:a="http://schemas.openxmlformats.org/drawingml/2006/main" xmlns:r="http://schemas.openxmlformats.org/officeDocument/2006/relationships" xmlns:p="http://schemas.openxmlformats.org/presentationml/2006/main">
+  <p:tag name="TIMING" val="|32.3|75.4|14.5|20"/>
+</p:tagLst>
 </file>
 
 <file path=ppt/theme/theme1.xml><?xml version="1.0" encoding="utf-8"?>
